--- a/Docu/docu2.pptx
+++ b/Docu/docu2.pptx
@@ -129,6 +129,80 @@
 </p:presentation>
 </file>
 
+<file path=ppt/revisionInfo.xml><?xml version="1.0" encoding="utf-8"?>
+<p1510:revInfo xmlns:a="http://schemas.openxmlformats.org/drawingml/2006/main" xmlns:r="http://schemas.openxmlformats.org/officeDocument/2006/relationships" xmlns:p1510="http://schemas.microsoft.com/office/powerpoint/2015/10/main">
+  <p1510:revLst>
+    <p1510:client id="{00823257-ED2D-4CA1-A552-E2FA392B62AA}" v="1688" dt="2019-06-07T05:16:14.946"/>
+  </p1510:revLst>
+</p1510:revInfo>
+</file>
+
+<file path=ppt/changesInfos/changesInfo1.xml><?xml version="1.0" encoding="utf-8"?>
+<pc:chgInfo xmlns:a="http://schemas.openxmlformats.org/drawingml/2006/main" xmlns:r="http://schemas.openxmlformats.org/officeDocument/2006/relationships" xmlns:ac="http://schemas.microsoft.com/office/drawing/2013/main/command" xmlns:pc="http://schemas.microsoft.com/office/powerpoint/2013/main/command">
+  <pc:docChgLst>
+    <pc:chgData name="Yarithza Hasbleidy Galindo Ayala" userId="81d3b4e3-e252-4d52-8b97-5ee33ca8cec6" providerId="ADAL" clId="{00823257-ED2D-4CA1-A552-E2FA392B62AA}"/>
+    <pc:docChg chg="undo custSel modSld">
+      <pc:chgData name="Yarithza Hasbleidy Galindo Ayala" userId="81d3b4e3-e252-4d52-8b97-5ee33ca8cec6" providerId="ADAL" clId="{00823257-ED2D-4CA1-A552-E2FA392B62AA}" dt="2019-06-07T05:16:14.946" v="1688"/>
+      <pc:docMkLst>
+        <pc:docMk/>
+      </pc:docMkLst>
+      <pc:sldChg chg="modTransition">
+        <pc:chgData name="Yarithza Hasbleidy Galindo Ayala" userId="81d3b4e3-e252-4d52-8b97-5ee33ca8cec6" providerId="ADAL" clId="{00823257-ED2D-4CA1-A552-E2FA392B62AA}" dt="2019-06-07T05:15:53.109" v="1685"/>
+        <pc:sldMkLst>
+          <pc:docMk/>
+          <pc:sldMk cId="1936742288" sldId="257"/>
+        </pc:sldMkLst>
+      </pc:sldChg>
+      <pc:sldChg chg="addSp delSp modSp modTransition">
+        <pc:chgData name="Yarithza Hasbleidy Galindo Ayala" userId="81d3b4e3-e252-4d52-8b97-5ee33ca8cec6" providerId="ADAL" clId="{00823257-ED2D-4CA1-A552-E2FA392B62AA}" dt="2019-06-07T05:15:59.595" v="1686"/>
+        <pc:sldMkLst>
+          <pc:docMk/>
+          <pc:sldMk cId="2381691541" sldId="258"/>
+        </pc:sldMkLst>
+        <pc:spChg chg="add del mod">
+          <ac:chgData name="Yarithza Hasbleidy Galindo Ayala" userId="81d3b4e3-e252-4d52-8b97-5ee33ca8cec6" providerId="ADAL" clId="{00823257-ED2D-4CA1-A552-E2FA392B62AA}" dt="2019-06-07T05:14:28.126" v="1675" actId="20577"/>
+          <ac:spMkLst>
+            <pc:docMk/>
+            <pc:sldMk cId="2381691541" sldId="258"/>
+            <ac:spMk id="2" creationId="{00000000-0000-0000-0000-000000000000}"/>
+          </ac:spMkLst>
+        </pc:spChg>
+      </pc:sldChg>
+      <pc:sldChg chg="modSp modTransition">
+        <pc:chgData name="Yarithza Hasbleidy Galindo Ayala" userId="81d3b4e3-e252-4d52-8b97-5ee33ca8cec6" providerId="ADAL" clId="{00823257-ED2D-4CA1-A552-E2FA392B62AA}" dt="2019-06-07T05:16:06.082" v="1687"/>
+        <pc:sldMkLst>
+          <pc:docMk/>
+          <pc:sldMk cId="1735343987" sldId="259"/>
+        </pc:sldMkLst>
+        <pc:spChg chg="mod">
+          <ac:chgData name="Yarithza Hasbleidy Galindo Ayala" userId="81d3b4e3-e252-4d52-8b97-5ee33ca8cec6" providerId="ADAL" clId="{00823257-ED2D-4CA1-A552-E2FA392B62AA}" dt="2019-06-07T05:14:48.502" v="1682" actId="20577"/>
+          <ac:spMkLst>
+            <pc:docMk/>
+            <pc:sldMk cId="1735343987" sldId="259"/>
+            <ac:spMk id="2" creationId="{00000000-0000-0000-0000-000000000000}"/>
+          </ac:spMkLst>
+        </pc:spChg>
+      </pc:sldChg>
+      <pc:sldChg chg="modSp modTransition">
+        <pc:chgData name="Yarithza Hasbleidy Galindo Ayala" userId="81d3b4e3-e252-4d52-8b97-5ee33ca8cec6" providerId="ADAL" clId="{00823257-ED2D-4CA1-A552-E2FA392B62AA}" dt="2019-06-07T05:16:14.946" v="1688"/>
+        <pc:sldMkLst>
+          <pc:docMk/>
+          <pc:sldMk cId="1218828848" sldId="260"/>
+        </pc:sldMkLst>
+        <pc:spChg chg="mod">
+          <ac:chgData name="Yarithza Hasbleidy Galindo Ayala" userId="81d3b4e3-e252-4d52-8b97-5ee33ca8cec6" providerId="ADAL" clId="{00823257-ED2D-4CA1-A552-E2FA392B62AA}" dt="2019-06-07T05:15:01.138" v="1683" actId="6549"/>
+          <ac:spMkLst>
+            <pc:docMk/>
+            <pc:sldMk cId="1218828848" sldId="260"/>
+            <ac:spMk id="2" creationId="{00000000-0000-0000-0000-000000000000}"/>
+          </ac:spMkLst>
+        </pc:spChg>
+      </pc:sldChg>
+    </pc:docChg>
+  </pc:docChgLst>
+</pc:chgInfo>
+</file>
+
 <file path=ppt/notesMasters/notesMaster1.xml><?xml version="1.0" encoding="utf-8"?>
 <p:notesMaster xmlns:a="http://schemas.openxmlformats.org/drawingml/2006/main" xmlns:r="http://schemas.openxmlformats.org/officeDocument/2006/relationships" xmlns:p="http://schemas.openxmlformats.org/presentationml/2006/main">
   <p:cSld>
@@ -212,7 +286,7 @@
             <a:fld id="{AC3C433B-509E-4DC7-B214-CED01993DB01}" type="datetimeFigureOut">
               <a:rPr lang="es-CO" smtClean="0"/>
               <a:pPr/>
-              <a:t>2/05/2019</a:t>
+              <a:t>6/06/2019</a:t>
             </a:fld>
             <a:endParaRPr lang="es-CO" dirty="0"/>
           </a:p>
@@ -620,7 +694,7 @@
           <a:p>
             <a:fld id="{8D87B5C2-953C-48F4-8036-8149E321EBE7}" type="datetime1">
               <a:rPr lang="es-CO" smtClean="0"/>
-              <a:t>2/05/2019</a:t>
+              <a:t>6/06/2019</a:t>
             </a:fld>
             <a:endParaRPr lang="es-CO" dirty="0"/>
           </a:p>
@@ -863,7 +937,7 @@
           <a:p>
             <a:fld id="{B71667AA-A0F9-4CEA-9C89-7CC4B96EFBBB}" type="datetime1">
               <a:rPr lang="es-CO" smtClean="0"/>
-              <a:t>2/05/2019</a:t>
+              <a:t>6/06/2019</a:t>
             </a:fld>
             <a:endParaRPr lang="es-CO" dirty="0"/>
           </a:p>
@@ -1048,7 +1122,7 @@
           <a:p>
             <a:fld id="{74C80D9D-8886-438C-B3AC-C0C6499B7D8C}" type="datetime1">
               <a:rPr lang="es-CO" smtClean="0"/>
-              <a:t>2/05/2019</a:t>
+              <a:t>6/06/2019</a:t>
             </a:fld>
             <a:endParaRPr lang="es-CO" dirty="0"/>
           </a:p>
@@ -1250,7 +1324,7 @@
           <a:p>
             <a:fld id="{583CF400-3EDD-4B93-B1D4-3B4E907EC021}" type="datetime1">
               <a:rPr lang="es-CO" smtClean="0"/>
-              <a:t>2/05/2019</a:t>
+              <a:t>6/06/2019</a:t>
             </a:fld>
             <a:endParaRPr lang="es-CO" dirty="0"/>
           </a:p>
@@ -1530,7 +1604,7 @@
           <a:p>
             <a:fld id="{034E3B09-D336-4CF7-91D4-B6E9115CB8A4}" type="datetime1">
               <a:rPr lang="es-CO" smtClean="0"/>
-              <a:t>2/05/2019</a:t>
+              <a:t>6/06/2019</a:t>
             </a:fld>
             <a:endParaRPr lang="es-CO" dirty="0"/>
           </a:p>
@@ -1799,7 +1873,7 @@
           <a:p>
             <a:fld id="{9D65138E-880C-4059-8E27-FF876D100CAF}" type="datetime1">
               <a:rPr lang="es-CO" smtClean="0"/>
-              <a:t>2/05/2019</a:t>
+              <a:t>6/06/2019</a:t>
             </a:fld>
             <a:endParaRPr lang="es-CO" dirty="0"/>
           </a:p>
@@ -2247,7 +2321,7 @@
           <a:p>
             <a:fld id="{26330FAE-141A-4BFF-887C-E995FE81429D}" type="datetime1">
               <a:rPr lang="es-CO" smtClean="0"/>
-              <a:t>2/05/2019</a:t>
+              <a:t>6/06/2019</a:t>
             </a:fld>
             <a:endParaRPr lang="es-CO" dirty="0"/>
           </a:p>
@@ -2398,7 +2472,7 @@
           <a:p>
             <a:fld id="{26330FAE-141A-4BFF-887C-E995FE81429D}" type="datetime1">
               <a:rPr lang="es-CO" smtClean="0"/>
-              <a:t>2/05/2019</a:t>
+              <a:t>6/06/2019</a:t>
             </a:fld>
             <a:endParaRPr lang="es-CO" dirty="0"/>
           </a:p>
@@ -2495,7 +2569,7 @@
           <a:p>
             <a:fld id="{8DA94E56-31C3-428C-906D-B3E9E4B8DBAD}" type="datetime1">
               <a:rPr lang="es-CO" smtClean="0"/>
-              <a:t>2/05/2019</a:t>
+              <a:t>6/06/2019</a:t>
             </a:fld>
             <a:endParaRPr lang="es-CO" dirty="0"/>
           </a:p>
@@ -2749,7 +2823,7 @@
           <a:p>
             <a:fld id="{9407FB20-0F53-4606-9515-75A418ADA495}" type="datetime1">
               <a:rPr lang="es-CO" smtClean="0"/>
-              <a:t>2/05/2019</a:t>
+              <a:t>6/06/2019</a:t>
             </a:fld>
             <a:endParaRPr lang="es-CO" dirty="0"/>
           </a:p>
@@ -3195,7 +3269,7 @@
           <a:p>
             <a:fld id="{1A7B92AE-B2EB-4F10-B119-B863F70790DC}" type="datetime1">
               <a:rPr lang="es-CO" smtClean="0"/>
-              <a:t>2/05/2019</a:t>
+              <a:t>6/06/2019</a:t>
             </a:fld>
             <a:endParaRPr lang="es-CO" dirty="0"/>
           </a:p>
@@ -3560,7 +3634,7 @@
           <a:p>
             <a:fld id="{26330FAE-141A-4BFF-887C-E995FE81429D}" type="datetime1">
               <a:rPr lang="es-CO" smtClean="0"/>
-              <a:t>2/05/2019</a:t>
+              <a:t>6/06/2019</a:t>
             </a:fld>
             <a:endParaRPr lang="es-CO" dirty="0"/>
           </a:p>
@@ -4506,7 +4580,7 @@
               <a:buNone/>
             </a:pPr>
             <a:r>
-              <a:rPr lang="en-US" sz="4200" cap="all">
+              <a:rPr lang="en-US" sz="4200" cap="all" dirty="0">
                 <a:latin typeface="+mj-lt"/>
                 <a:ea typeface="+mj-ea"/>
                 <a:cs typeface="+mj-cs"/>
@@ -4528,7 +4602,7 @@
               <a:buNone/>
             </a:pPr>
             <a:r>
-              <a:rPr lang="en-US" sz="4200" cap="all">
+              <a:rPr lang="en-US" sz="4200" cap="all" dirty="0">
                 <a:latin typeface="+mj-lt"/>
                 <a:ea typeface="+mj-ea"/>
                 <a:cs typeface="+mj-cs"/>
@@ -4549,7 +4623,7 @@
               </a:spcAft>
               <a:buNone/>
             </a:pPr>
-            <a:endParaRPr lang="en-US" sz="4200" cap="all">
+            <a:endParaRPr lang="en-US" sz="4200" cap="all" dirty="0">
               <a:latin typeface="+mj-lt"/>
               <a:ea typeface="+mj-ea"/>
               <a:cs typeface="+mj-cs"/>
@@ -4568,7 +4642,7 @@
               </a:spcAft>
               <a:buNone/>
             </a:pPr>
-            <a:endParaRPr lang="en-US" sz="4200" cap="all">
+            <a:endParaRPr lang="en-US" sz="4200" cap="all" dirty="0">
               <a:latin typeface="+mj-lt"/>
               <a:ea typeface="+mj-ea"/>
               <a:cs typeface="+mj-cs"/>
@@ -4642,8 +4716,8 @@
   </p:clrMapOvr>
   <mc:AlternateContent xmlns:mc="http://schemas.openxmlformats.org/markup-compatibility/2006">
     <mc:Choice xmlns:p14="http://schemas.microsoft.com/office/powerpoint/2010/main" Requires="p14">
-      <p:transition spd="slow" p14:dur="3000">
-        <p14:shred/>
+      <p:transition spd="slow" p14:dur="4000">
+        <p14:vortex dir="r"/>
       </p:transition>
     </mc:Choice>
     <mc:Fallback>
@@ -4680,8 +4754,8 @@
         </p:nvSpPr>
         <p:spPr>
           <a:xfrm>
-            <a:off x="755576" y="1340768"/>
-            <a:ext cx="7182544" cy="3970318"/>
+            <a:off x="755576" y="476672"/>
+            <a:ext cx="7182544" cy="5355312"/>
           </a:xfrm>
           <a:prstGeom prst="rect">
             <a:avLst/>
@@ -4694,55 +4768,65 @@
           <a:lstStyle/>
           <a:p>
             <a:r>
+              <a:rPr lang="es-ES" dirty="0"/>
+              <a:t>5 principios de la seguridad informática que conforman los pilares básicos de la Ciberseguridad. </a:t>
+            </a:r>
+          </a:p>
+          <a:p>
+            <a:endParaRPr lang="es-ES" dirty="0"/>
+          </a:p>
+          <a:p>
+            <a:pPr marL="285750" indent="-285750">
+              <a:buFont typeface="Wingdings" panose="05000000000000000000" pitchFamily="2" charset="2"/>
+              <a:buChar char="v"/>
+            </a:pPr>
+            <a:r>
+              <a:rPr lang="es-ES" dirty="0"/>
+              <a:t>Privilegios mínimos:  para este es importante tener claro que se debería dar solo la información básica , mas relevante posible y útil que un usuarios necesite para poder trabajar.</a:t>
+            </a:r>
+          </a:p>
+          <a:p>
+            <a:pPr marL="285750" indent="-285750">
+              <a:buFont typeface="Wingdings" panose="05000000000000000000" pitchFamily="2" charset="2"/>
+              <a:buChar char="v"/>
+            </a:pPr>
+            <a:r>
+              <a:rPr lang="es-ES" dirty="0"/>
+              <a:t>C</a:t>
+            </a:r>
+            <a:r>
               <a:rPr lang="es-CO" dirty="0"/>
-              <a:t>Para que un sistema se pueda definir como seguro debe tener estas cuatro características: </a:t>
-            </a:r>
-          </a:p>
-          <a:p>
-            <a:r>
-              <a:rPr lang="es-CO" dirty="0"/>
-              <a:t> </a:t>
-            </a:r>
-          </a:p>
-          <a:p>
-            <a:r>
-              <a:rPr lang="es-CO" dirty="0"/>
-              <a:t>• Integridad: La información sólo puede ser modificada por quien   está autorizado y de manera controlada. </a:t>
-            </a:r>
-          </a:p>
-          <a:p>
-            <a:endParaRPr lang="es-CO" dirty="0"/>
-          </a:p>
-          <a:p>
-            <a:r>
-              <a:rPr lang="es-CO" dirty="0"/>
-              <a:t>• Confidencialidad: La información sólo debe ser legible para los autorizados. </a:t>
-            </a:r>
-          </a:p>
-          <a:p>
-            <a:endParaRPr lang="es-CO" dirty="0"/>
-          </a:p>
-          <a:p>
-            <a:r>
-              <a:rPr lang="es-CO" dirty="0"/>
-              <a:t>• Disponibilidad: Debe estar disponible cuando se necesita. </a:t>
-            </a:r>
-          </a:p>
-          <a:p>
-            <a:endParaRPr lang="es-CO" dirty="0"/>
-          </a:p>
-          <a:p>
-            <a:r>
-              <a:rPr lang="es-CO" dirty="0"/>
-              <a:t>• </a:t>
-            </a:r>
-            <a:r>
-              <a:rPr lang="es-CO" dirty="0" err="1"/>
-              <a:t>Irrefutabilidad</a:t>
-            </a:r>
-            <a:r>
-              <a:rPr lang="es-CO" dirty="0"/>
-              <a:t> (No repudio): El uso y/o modificación de la información por parte de un usuario debe ser irrefutable, es decir, que el usuario no puede negar dicha acción. </a:t>
+              <a:t>errado por defecto: Esta se fundamenta en que los trabajadores o empleadores solo tenga acceso a lo que necesiten utilizar y así se puede realizar un mejor análisis de riesgo.</a:t>
+            </a:r>
+          </a:p>
+          <a:p>
+            <a:pPr marL="285750" indent="-285750">
+              <a:buFont typeface="Wingdings" panose="05000000000000000000" pitchFamily="2" charset="2"/>
+              <a:buChar char="v"/>
+            </a:pPr>
+            <a:r>
+              <a:rPr lang="es-ES" dirty="0"/>
+              <a:t>Segregación de deberes: es aquella que ayuda a reducir los conflictos de intereses , debido a que esta se fundamenta en la ética y la deontología (que trata de los deberes y principios que afecta a una profesión ).</a:t>
+            </a:r>
+          </a:p>
+          <a:p>
+            <a:pPr marL="285750" indent="-285750">
+              <a:buFont typeface="Wingdings" panose="05000000000000000000" pitchFamily="2" charset="2"/>
+              <a:buChar char="v"/>
+            </a:pPr>
+            <a:r>
+              <a:rPr lang="es-ES" dirty="0"/>
+              <a:t>Defensa en profundidad: Se coloca diferentes niveles de seguridad de acuerdo con los riesgos , para esto se colocan varias barreras y filtros para que la información no sea vulnerable.</a:t>
+            </a:r>
+          </a:p>
+          <a:p>
+            <a:pPr marL="285750" indent="-285750">
+              <a:buFont typeface="Wingdings" panose="05000000000000000000" pitchFamily="2" charset="2"/>
+              <a:buChar char="v"/>
+            </a:pPr>
+            <a:r>
+              <a:rPr lang="es-ES" dirty="0"/>
+              <a:t>Lo diversificado y lo coherente: es un proceso que es difícil de llevar por que en las grandes empresas es difícil proteger clientes y proveedores , para esto se toma la mira de llevar mas allá la seguridad información y no solo fundamentarse en un solo ambiente. </a:t>
             </a:r>
           </a:p>
         </p:txBody>
@@ -4757,6 +4841,9 @@
   <p:clrMapOvr>
     <a:masterClrMapping/>
   </p:clrMapOvr>
+  <p:transition spd="slow">
+    <p:randomBar dir="vert"/>
+  </p:transition>
 </p:sld>
 </file>
 
@@ -4786,7 +4873,7 @@
         <p:spPr>
           <a:xfrm>
             <a:off x="683568" y="889844"/>
-            <a:ext cx="7272808" cy="4524315"/>
+            <a:ext cx="7272808" cy="4247317"/>
           </a:xfrm>
           <a:prstGeom prst="rect">
             <a:avLst/>
@@ -4800,7 +4887,7 @@
           <a:p>
             <a:r>
               <a:rPr lang="es-CO" b="1" dirty="0"/>
-              <a:t>Consejos 	Básicos de Seguridad </a:t>
+              <a:t>Consejos Básicos de Seguridad </a:t>
             </a:r>
           </a:p>
           <a:p>
@@ -4812,7 +4899,7 @@
           <a:p>
             <a:r>
               <a:rPr lang="es-CO" dirty="0"/>
-              <a:t>Es recomendable seguir una serie de consejos, prácticas y costumbres para maximizar la seguridad informática en la empresa, algunos de ellos son los siguientes: </a:t>
+              <a:t>Prácticas y costumbres para maximizar la seguridad informática en la empresa, algunos de ellos son los siguientes: </a:t>
             </a:r>
           </a:p>
           <a:p>
@@ -4875,6 +4962,18 @@
   <p:clrMapOvr>
     <a:masterClrMapping/>
   </p:clrMapOvr>
+  <mc:AlternateContent xmlns:mc="http://schemas.openxmlformats.org/markup-compatibility/2006">
+    <mc:Choice xmlns:p14="http://schemas.microsoft.com/office/powerpoint/2010/main" Requires="p14">
+      <p:transition spd="slow" p14:dur="3900">
+        <p14:glitter pattern="hexagon"/>
+      </p:transition>
+    </mc:Choice>
+    <mc:Fallback>
+      <p:transition spd="slow">
+        <p:fade/>
+      </p:transition>
+    </mc:Fallback>
+  </mc:AlternateContent>
 </p:sld>
 </file>
 
@@ -4904,7 +5003,7 @@
         <p:spPr>
           <a:xfrm>
             <a:off x="899592" y="1166843"/>
-            <a:ext cx="7128792" cy="4524315"/>
+            <a:ext cx="7128792" cy="4247317"/>
           </a:xfrm>
           <a:prstGeom prst="rect">
             <a:avLst/>
@@ -4918,13 +5017,7 @@
           <a:p>
             <a:r>
               <a:rPr lang="es-CO" dirty="0"/>
-              <a:t> </a:t>
-            </a:r>
-          </a:p>
-          <a:p>
-            <a:r>
-              <a:rPr lang="es-CO" dirty="0"/>
-              <a:t>• No descargar o  ejecutar ficheros desde sitios sospechosos  o procedentes de correos sospechosos o no solicitados. </a:t>
+              <a:t> • No descargar o  ejecutar ficheros desde sitios sospechosos  o procedentes de correos sospechosos o no solicitados. </a:t>
             </a:r>
           </a:p>
           <a:p>
@@ -4984,6 +5077,18 @@
   <p:clrMapOvr>
     <a:masterClrMapping/>
   </p:clrMapOvr>
+  <mc:AlternateContent xmlns:mc="http://schemas.openxmlformats.org/markup-compatibility/2006">
+    <mc:Choice xmlns:p14="http://schemas.microsoft.com/office/powerpoint/2010/main" Requires="p14">
+      <p:transition spd="slow" p14:dur="1200">
+        <p:dissolve/>
+      </p:transition>
+    </mc:Choice>
+    <mc:Fallback>
+      <p:transition spd="slow">
+        <p:dissolve/>
+      </p:transition>
+    </mc:Fallback>
+  </mc:AlternateContent>
 </p:sld>
 </file>
 
